--- a/final ppt/13-project-playlist.pptx
+++ b/final ppt/13-project-playlist.pptx
@@ -334,7 +334,7 @@
           <a:p>
             <a:fld id="{0F9C1CCF-B725-44A7-AA57-5E433BD85C9F}" type="datetimeFigureOut">
               <a:rPr lang="en-US" smtClean="0"/>
-              <a:t>8/30/2021</a:t>
+              <a:t>9/20/2021</a:t>
             </a:fld>
             <a:endParaRPr lang="en-US"/>
           </a:p>
@@ -1708,9 +1708,89 @@
               <a:buNone/>
             </a:pPr>
             <a:r>
-              <a:rPr/>
-              <a:t>[20 mins]</a:t>
-            </a:r>
+              <a:rPr dirty="0"/>
+              <a:t>[20 </a:t>
+            </a:r>
+            <a:r>
+              <a:rPr dirty="0" err="1"/>
+              <a:t>mins</a:t>
+            </a:r>
+            <a:r>
+              <a:rPr dirty="0" smtClean="0"/>
+              <a:t>]</a:t>
+            </a:r>
+            <a:endParaRPr lang="en-GB" dirty="0" smtClean="0"/>
+          </a:p>
+          <a:p>
+            <a:pPr marL="0" lvl="0" indent="0">
+              <a:buNone/>
+            </a:pPr>
+            <a:endParaRPr lang="en-GB" dirty="0" smtClean="0"/>
+          </a:p>
+          <a:p>
+            <a:pPr lvl="1"/>
+            <a:r>
+              <a:rPr lang="en-GB" dirty="0" smtClean="0"/>
+              <a:t>Note that many </a:t>
+            </a:r>
+            <a:r>
+              <a:rPr lang="en-GB" dirty="0" err="1" smtClean="0"/>
+              <a:t>SoundCloud</a:t>
+            </a:r>
+            <a:r>
+              <a:rPr lang="en-GB" dirty="0" smtClean="0"/>
+              <a:t> users post long single files which represent lots of songs– take a look at the sound length to be sure you’re getting a single sound, not a mix</a:t>
+            </a:r>
+          </a:p>
+          <a:p>
+            <a:pPr lvl="1"/>
+            <a:r>
+              <a:rPr lang="en-GB" dirty="0" smtClean="0"/>
+              <a:t>Point out that </a:t>
+            </a:r>
+            <a:r>
+              <a:rPr lang="en-GB" dirty="0" err="1" smtClean="0"/>
+              <a:t>Soundcloud</a:t>
+            </a:r>
+            <a:r>
+              <a:rPr lang="en-GB" dirty="0" smtClean="0"/>
+              <a:t> is like every other online community. There’s great content there, but you’ll also find the occasional words and pictures that are offensive to learners. Explain this to learners:</a:t>
+            </a:r>
+          </a:p>
+          <a:p>
+            <a:pPr lvl="1"/>
+            <a:r>
+              <a:rPr lang="en-GB" dirty="0" smtClean="0"/>
+              <a:t>Everyone should feel safe on the Open Web, so we should follow some common sense rules about search in our learning space. Do your best to avoid inappropriate material. If offensive words, pictures, music, </a:t>
+            </a:r>
+            <a:r>
+              <a:rPr lang="en-GB" dirty="0" err="1" smtClean="0"/>
+              <a:t>etc</a:t>
+            </a:r>
+            <a:r>
+              <a:rPr lang="en-GB" dirty="0" smtClean="0"/>
+              <a:t> show up as part of your search results or in the comments, click away from them and concentrate on finding material you can use for this project.</a:t>
+            </a:r>
+          </a:p>
+          <a:p>
+            <a:pPr lvl="1"/>
+            <a:r>
+              <a:rPr lang="en-GB" dirty="0" smtClean="0"/>
+              <a:t>Search! Ask learners to bookmark selected songs or copy and paste the URLs - or Web addresses - into another document so they can get back to them easily. Demonstrate how to bookmark.</a:t>
+            </a:r>
+          </a:p>
+          <a:p>
+            <a:pPr lvl="1"/>
+            <a:r>
+              <a:rPr lang="en-GB" dirty="0" smtClean="0"/>
+              <a:t>Ask learners to write their song descriptions along with the links. Suggest that learners use a simple text editor and provide a demo. * Also remind learners to include attributions, and discuss the importance of citing creators.</a:t>
+            </a:r>
+          </a:p>
+          <a:p>
+            <a:pPr marL="0" lvl="0" indent="0">
+              <a:buNone/>
+            </a:pPr>
+            <a:endParaRPr dirty="0"/>
           </a:p>
         </p:txBody>
       </p:sp>
@@ -1798,9 +1878,46 @@
               <a:buNone/>
             </a:pPr>
             <a:r>
-              <a:rPr/>
-              <a:t>[15 mins]</a:t>
-            </a:r>
+              <a:rPr dirty="0"/>
+              <a:t>[15 </a:t>
+            </a:r>
+            <a:r>
+              <a:rPr dirty="0" err="1"/>
+              <a:t>mins</a:t>
+            </a:r>
+            <a:r>
+              <a:rPr dirty="0" smtClean="0"/>
+              <a:t>]</a:t>
+            </a:r>
+            <a:endParaRPr lang="en-GB" dirty="0" smtClean="0"/>
+          </a:p>
+          <a:p>
+            <a:pPr marL="0" lvl="0" indent="0">
+              <a:buNone/>
+            </a:pPr>
+            <a:endParaRPr lang="en-GB" dirty="0" smtClean="0"/>
+          </a:p>
+          <a:p>
+            <a:pPr lvl="1"/>
+            <a:r>
+              <a:rPr lang="en-GB" dirty="0" smtClean="0"/>
+              <a:t>For this part of the activity, users need a web page. They can: 1) use the basic pages created in Building Basic Pages (even though these pages are not hosted on a server, as long as the computer is connected to the internet, the embed code will work 2) use Thimble or another Integrated Development Environment. The code will work the same way, and of course these pages created using an IDE are hosted as part of the platform.</a:t>
+            </a:r>
+          </a:p>
+          <a:p>
+            <a:pPr marL="1270000" indent="0">
+              <a:buNone/>
+            </a:pPr>
+            <a:r>
+              <a:rPr lang="en-GB" sz="2000" dirty="0" smtClean="0"/>
+              <a:t>Tip! If using option 1, remind learners again that their pages are only on the client computer, and not yet hosted on the internet. In either case, the following template is suggested as a starting point. Learners can integrate their commentary about each selection into the playlist itself.</a:t>
+            </a:r>
+          </a:p>
+          <a:p>
+            <a:pPr marL="0" lvl="0" indent="0">
+              <a:buNone/>
+            </a:pPr>
+            <a:endParaRPr dirty="0"/>
           </a:p>
         </p:txBody>
       </p:sp>
@@ -1836,6 +1953,178 @@
 </file>
 
 <file path=ppt/notesSlides/notesSlide7.xml><?xml version="1.0" encoding="utf-8"?>
+<p:notes xmlns:a="http://schemas.openxmlformats.org/drawingml/2006/main" xmlns:r="http://schemas.openxmlformats.org/officeDocument/2006/relationships" xmlns:p="http://schemas.openxmlformats.org/presentationml/2006/main">
+  <p:cSld>
+    <p:spTree>
+      <p:nvGrpSpPr>
+        <p:cNvPr id="1" name=""/>
+        <p:cNvGrpSpPr/>
+        <p:nvPr/>
+      </p:nvGrpSpPr>
+      <p:grpSpPr>
+        <a:xfrm>
+          <a:off x="0" y="0"/>
+          <a:ext cx="0" cy="0"/>
+          <a:chOff x="0" y="0"/>
+          <a:chExt cx="0" cy="0"/>
+        </a:xfrm>
+      </p:grpSpPr>
+      <p:sp>
+        <p:nvSpPr>
+          <p:cNvPr id="2" name="Slide Image Placeholder 1"/>
+          <p:cNvSpPr>
+            <a:spLocks noGrp="1" noRot="1" noChangeAspect="1"/>
+          </p:cNvSpPr>
+          <p:nvPr>
+            <p:ph type="sldImg"/>
+          </p:nvPr>
+        </p:nvSpPr>
+        <p:spPr/>
+      </p:sp>
+      <p:sp>
+        <p:nvSpPr>
+          <p:cNvPr id="3" name="Notes Placeholder 2"/>
+          <p:cNvSpPr>
+            <a:spLocks noGrp="1"/>
+          </p:cNvSpPr>
+          <p:nvPr>
+            <p:ph type="body" idx="1"/>
+          </p:nvPr>
+        </p:nvSpPr>
+        <p:spPr/>
+        <p:txBody>
+          <a:bodyPr/>
+          <a:lstStyle/>
+          <a:p>
+            <a:pPr lvl="1"/>
+            <a:r>
+              <a:rPr lang="en-GB" dirty="0" smtClean="0"/>
+              <a:t>Explain that, as discussed in the intro, the web is designed for sharing and interconnection:.</a:t>
+            </a:r>
+          </a:p>
+          <a:p>
+            <a:pPr lvl="2"/>
+            <a:r>
+              <a:rPr lang="en-GB" dirty="0" smtClean="0"/>
+              <a:t>You can add a link to your webpage that directs visitors to a song on </a:t>
+            </a:r>
+            <a:r>
+              <a:rPr lang="en-GB" dirty="0" err="1" smtClean="0"/>
+              <a:t>Soundcloud</a:t>
+            </a:r>
+            <a:r>
+              <a:rPr lang="en-GB" dirty="0" smtClean="0"/>
+              <a:t>. When a visitor clicks on that link they leave your web page and go to the song on </a:t>
+            </a:r>
+            <a:r>
+              <a:rPr lang="en-GB" dirty="0" err="1" smtClean="0"/>
+              <a:t>Soundcloud</a:t>
+            </a:r>
+            <a:r>
+              <a:rPr lang="en-GB" dirty="0" smtClean="0"/>
+              <a:t>. This is typical linking </a:t>
+            </a:r>
+            <a:r>
+              <a:rPr lang="en-GB" dirty="0" err="1" smtClean="0"/>
+              <a:t>behavior</a:t>
+            </a:r>
+            <a:r>
+              <a:rPr lang="en-GB" dirty="0" smtClean="0"/>
+              <a:t>.</a:t>
+            </a:r>
+          </a:p>
+          <a:p>
+            <a:pPr lvl="1"/>
+            <a:r>
+              <a:rPr lang="en-GB" dirty="0" smtClean="0"/>
+              <a:t>Sites like YouTube and </a:t>
+            </a:r>
+            <a:r>
+              <a:rPr lang="en-GB" dirty="0" err="1" smtClean="0"/>
+              <a:t>Soundcloud</a:t>
+            </a:r>
+            <a:r>
+              <a:rPr lang="en-GB" dirty="0" smtClean="0"/>
+              <a:t> also let you “embed” media on your own webpage so you can play a song or video without leaving your page.</a:t>
+            </a:r>
+          </a:p>
+          <a:p>
+            <a:pPr lvl="1"/>
+            <a:r>
+              <a:rPr lang="en-GB" dirty="0" smtClean="0"/>
+              <a:t>When you embed media, you create a small window or frame in your own webpage that loads the song or video right directly on your page.</a:t>
+            </a:r>
+          </a:p>
+          <a:p>
+            <a:endParaRPr lang="en-GB" dirty="0" smtClean="0"/>
+          </a:p>
+          <a:p>
+            <a:pPr lvl="1"/>
+            <a:r>
+              <a:rPr lang="en-GB" dirty="0" smtClean="0"/>
+              <a:t>called “iframe” creates the embed in your webpage.</a:t>
+            </a:r>
+          </a:p>
+          <a:p>
+            <a:pPr lvl="1"/>
+            <a:r>
+              <a:rPr lang="en-GB" dirty="0" smtClean="0"/>
+              <a:t>Demo the embed process for your learners. If possible, invite them to follow along on their own computers using one of their chose songs. To embed a file from </a:t>
+            </a:r>
+            <a:r>
+              <a:rPr lang="en-GB" dirty="0" err="1" smtClean="0"/>
+              <a:t>Soundcloud</a:t>
+            </a:r>
+            <a:r>
+              <a:rPr lang="en-GB" dirty="0" smtClean="0"/>
+              <a:t>:</a:t>
+            </a:r>
+          </a:p>
+          <a:p>
+            <a:endParaRPr lang="en-GB" dirty="0" smtClean="0"/>
+          </a:p>
+          <a:p>
+            <a:endParaRPr lang="en-GB" dirty="0"/>
+          </a:p>
+        </p:txBody>
+      </p:sp>
+      <p:sp>
+        <p:nvSpPr>
+          <p:cNvPr id="4" name="Slide Number Placeholder 3"/>
+          <p:cNvSpPr>
+            <a:spLocks noGrp="1"/>
+          </p:cNvSpPr>
+          <p:nvPr>
+            <p:ph type="sldNum" sz="quarter" idx="10"/>
+          </p:nvPr>
+        </p:nvSpPr>
+        <p:spPr/>
+        <p:txBody>
+          <a:bodyPr/>
+          <a:lstStyle/>
+          <a:p>
+            <a:fld id="{18BDFEC3-8487-43E8-A154-7C12CBC1FFF2}" type="slidenum">
+              <a:rPr lang="en-US" smtClean="0"/>
+              <a:t>10</a:t>
+            </a:fld>
+            <a:endParaRPr lang="en-US"/>
+          </a:p>
+        </p:txBody>
+      </p:sp>
+    </p:spTree>
+    <p:extLst>
+      <p:ext uri="{BB962C8B-B14F-4D97-AF65-F5344CB8AC3E}">
+        <p14:creationId xmlns:p14="http://schemas.microsoft.com/office/powerpoint/2010/main" val="4250121972"/>
+      </p:ext>
+    </p:extLst>
+  </p:cSld>
+  <p:clrMapOvr>
+    <a:masterClrMapping/>
+  </p:clrMapOvr>
+</p:notes>
+</file>
+
+<file path=ppt/notesSlides/notesSlide8.xml><?xml version="1.0" encoding="utf-8"?>
 <p:notes xmlns:a="http://schemas.openxmlformats.org/drawingml/2006/main" xmlns:r="http://schemas.openxmlformats.org/officeDocument/2006/relationships" xmlns:p="http://schemas.openxmlformats.org/presentationml/2006/main">
   <p:cSld>
     <p:spTree>
@@ -1888,25 +2177,69 @@
               <a:buNone/>
             </a:pPr>
             <a:r>
-              <a:rPr/>
-              <a:t>[5-10 mins]</a:t>
-            </a:r>
+              <a:rPr dirty="0"/>
+              <a:t>[5-10 </a:t>
+            </a:r>
+            <a:r>
+              <a:rPr dirty="0" err="1"/>
+              <a:t>mins</a:t>
+            </a:r>
+            <a:r>
+              <a:rPr dirty="0" smtClean="0"/>
+              <a:t>]</a:t>
+            </a:r>
+            <a:endParaRPr lang="en-GB" dirty="0" smtClean="0"/>
           </a:p>
           <a:p>
             <a:pPr marL="0" lvl="0" indent="0">
               <a:buNone/>
             </a:pPr>
-            <a:endParaRPr/>
+            <a:endParaRPr lang="en-GB" dirty="0" smtClean="0"/>
+          </a:p>
+          <a:p>
+            <a:pPr lvl="1"/>
+            <a:r>
+              <a:rPr lang="en-GB" dirty="0" smtClean="0"/>
+              <a:t>To wrap up, ask learners or groups to share what their playlists are about, and what it was like to do the task.</a:t>
+            </a:r>
+          </a:p>
+          <a:p>
+            <a:pPr marL="1270000" indent="0">
+              <a:buNone/>
+            </a:pPr>
+            <a:r>
+              <a:rPr lang="en-GB" sz="2000" dirty="0" smtClean="0"/>
+              <a:t>Tip! Before you begin, remind learners of community norms about being welcoming and open to new ideas. Encourage them to talk about their own learning, not about other people.</a:t>
+            </a:r>
+          </a:p>
+          <a:p>
+            <a:pPr lvl="1"/>
+            <a:r>
+              <a:rPr lang="en-GB" dirty="0" smtClean="0"/>
+              <a:t>Use the following questions to encourage broader discussion, or come up with your own.</a:t>
+            </a:r>
           </a:p>
           <a:p>
             <a:pPr marL="0" lvl="0" indent="0">
+              <a:buNone/>
+            </a:pPr>
+            <a:endParaRPr dirty="0"/>
+          </a:p>
+          <a:p>
+            <a:pPr marL="0" lvl="0" indent="0">
+              <a:buNone/>
+            </a:pPr>
+            <a:endParaRPr dirty="0"/>
+          </a:p>
+          <a:p>
+            <a:pPr marL="0" lvl="0" indent="0">
               <a:spcBef>
                 <a:spcPts val="3000"/>
               </a:spcBef>
               <a:buNone/>
             </a:pPr>
             <a:r>
-              <a:rPr b="1"/>
+              <a:rPr b="1" dirty="0"/>
               <a:t>Learning Experience Reflection</a:t>
             </a:r>
           </a:p>
@@ -1914,27 +2247,35 @@
             <a:pPr marL="0" lvl="0" indent="0">
               <a:buNone/>
             </a:pPr>
-            <a:endParaRPr b="1"/>
+            <a:endParaRPr b="1" dirty="0"/>
           </a:p>
           <a:p>
             <a:pPr marL="0" lvl="0" indent="0">
               <a:buNone/>
             </a:pPr>
             <a:r>
-              <a:rPr/>
-              <a:t>[5 mins]</a:t>
+              <a:rPr dirty="0"/>
+              <a:t>[5 </a:t>
+            </a:r>
+            <a:r>
+              <a:rPr dirty="0" err="1"/>
+              <a:t>mins</a:t>
+            </a:r>
+            <a:r>
+              <a:rPr dirty="0"/>
+              <a:t>]</a:t>
             </a:r>
           </a:p>
           <a:p>
             <a:pPr marL="0" lvl="0" indent="0">
               <a:buNone/>
             </a:pPr>
-            <a:endParaRPr/>
+            <a:endParaRPr dirty="0"/>
           </a:p>
           <a:p>
             <a:pPr lvl="1"/>
             <a:r>
-              <a:rPr/>
+              <a:rPr dirty="0"/>
               <a:t>What did you like about this activity?</a:t>
             </a:r>
           </a:p>
@@ -1942,12 +2283,12 @@
             <a:pPr marL="0" lvl="0" indent="0">
               <a:buNone/>
             </a:pPr>
-            <a:endParaRPr/>
+            <a:endParaRPr dirty="0"/>
           </a:p>
           <a:p>
             <a:pPr lvl="1"/>
             <a:r>
-              <a:rPr/>
+              <a:rPr dirty="0"/>
               <a:t>If you might teach this activity to a particular audience, what might you change about the process, structure, or content to better meet the needs of that audience?</a:t>
             </a:r>
           </a:p>
@@ -1955,7 +2296,7 @@
             <a:pPr marL="0" lvl="0" indent="0">
               <a:buNone/>
             </a:pPr>
-            <a:endParaRPr/>
+            <a:endParaRPr dirty="0"/>
           </a:p>
           <a:p>
             <a:pPr marL="0" lvl="0" indent="0">
@@ -1965,7 +2306,7 @@
               <a:buNone/>
             </a:pPr>
             <a:r>
-              <a:rPr b="1"/>
+              <a:rPr b="1" dirty="0"/>
               <a:t>Feedback on Core Curriculum</a:t>
             </a:r>
           </a:p>
@@ -1973,12 +2314,12 @@
             <a:pPr marL="0" lvl="0" indent="0">
               <a:buNone/>
             </a:pPr>
-            <a:endParaRPr b="1"/>
+            <a:endParaRPr b="1" dirty="0"/>
           </a:p>
           <a:p>
             <a:pPr lvl="1"/>
             <a:r>
-              <a:rPr/>
+              <a:rPr dirty="0"/>
               <a:t>Tell us how and where you’re using the curriculum and what you’ve learned and what you might change.</a:t>
             </a:r>
           </a:p>
@@ -2639,7 +2980,7 @@
           <a:p>
             <a:fld id="{241EB5C9-1307-BA42-ABA2-0BC069CD8E7F}" type="datetimeFigureOut">
               <a:rPr lang="en-US" smtClean="0"/>
-              <a:t>8/30/2021</a:t>
+              <a:t>9/20/2021</a:t>
             </a:fld>
             <a:endParaRPr lang="en-US"/>
           </a:p>
@@ -7255,60 +7596,60 @@
         <p:spPr/>
         <p:txBody>
           <a:bodyPr>
-            <a:normAutofit fontScale="85000" lnSpcReduction="20000"/>
+            <a:normAutofit/>
           </a:bodyPr>
           <a:lstStyle/>
           <a:p>
             <a:pPr lvl="1"/>
             <a:r>
-              <a:rPr/>
-              <a:t>Explain that, as discussed in the intro, the web is designed for sharing and interconnection:.</a:t>
-            </a:r>
-          </a:p>
-          <a:p>
-            <a:pPr lvl="2"/>
-            <a:r>
-              <a:rPr/>
-              <a:t>You can add a link to your webpage that directs visitors to a song on Soundcloud. When a visitor clicks on that link they leave your web page and go to the song on Soundcloud. This is typical linking behavior.</a:t>
-            </a:r>
-          </a:p>
-          <a:p>
-            <a:pPr lvl="1"/>
-            <a:r>
-              <a:rPr/>
-              <a:t>Sites like YouTube and Soundcloud also let you “embed” media on your own webpage so you can play a song or video without leaving your page.</a:t>
-            </a:r>
-          </a:p>
-          <a:p>
-            <a:pPr lvl="1"/>
-            <a:r>
-              <a:rPr/>
-              <a:t>When you embed media, you create a small window or frame in your own webpage that loads the song or video right directly on your page.</a:t>
-            </a:r>
-          </a:p>
-          <a:p>
-            <a:pPr lvl="1"/>
-            <a:r>
-              <a:rPr/>
-              <a:t>An “embed” is a piece of media you call or pull into your webpage using HTML tags. The HTML tag called “iframe” creates the embed in your webpage.</a:t>
-            </a:r>
-          </a:p>
-          <a:p>
-            <a:pPr lvl="1"/>
-            <a:r>
-              <a:rPr/>
-              <a:t>Demo the embed process for your learners. If possible, invite them to follow along on their own computers using one of their chose songs. To embed a file from Soundcloud:</a:t>
-            </a:r>
-          </a:p>
-          <a:p>
-            <a:pPr lvl="2"/>
-            <a:r>
-              <a:rPr/>
-              <a:t>First, you click on the “Share” button underneath the song’s “waveform” player.</a:t>
+              <a:rPr dirty="0" smtClean="0"/>
+              <a:t>An </a:t>
+            </a:r>
+            <a:r>
+              <a:rPr dirty="0"/>
+              <a:t>“embed” is a piece of media you call or pull into your webpage using HTML tags. The HTML tag </a:t>
+            </a:r>
+            <a:r>
+              <a:rPr dirty="0" smtClean="0"/>
+              <a:t>First</a:t>
+            </a:r>
+            <a:r>
+              <a:rPr dirty="0"/>
+              <a:t>, you click on the “Share” button underneath the song’s “waveform” player.</a:t>
             </a:r>
           </a:p>
         </p:txBody>
       </p:sp>
+      <p:pic>
+        <p:nvPicPr>
+          <p:cNvPr id="4" name="Picture 3" descr="../images/waveform.png"/>
+          <p:cNvPicPr>
+            <a:picLocks noGrp="1" noChangeAspect="1"/>
+          </p:cNvPicPr>
+          <p:nvPr/>
+        </p:nvPicPr>
+        <p:blipFill>
+          <a:blip r:embed="rId3"/>
+          <a:stretch>
+            <a:fillRect/>
+          </a:stretch>
+        </p:blipFill>
+        <p:spPr bwMode="auto">
+          <a:xfrm>
+            <a:off x="1593272" y="2789833"/>
+            <a:ext cx="8229600" cy="3302000"/>
+          </a:xfrm>
+          <a:prstGeom prst="rect">
+            <a:avLst/>
+          </a:prstGeom>
+          <a:noFill/>
+          <a:ln w="9525">
+            <a:noFill/>
+            <a:headEnd/>
+            <a:tailEnd/>
+          </a:ln>
+        </p:spPr>
+      </p:pic>
     </p:spTree>
   </p:cSld>
   <p:clrMapOvr>
@@ -7318,7 +7659,7 @@
 </file>
 
 <file path=ppt/slides/slide11.xml><?xml version="1.0" encoding="utf-8"?>
-<p:sld xmlns:a="http://schemas.openxmlformats.org/drawingml/2006/main" xmlns:r="http://schemas.openxmlformats.org/officeDocument/2006/relationships" xmlns:p="http://schemas.openxmlformats.org/presentationml/2006/main">
+<p:sld xmlns:a="http://schemas.openxmlformats.org/drawingml/2006/main" xmlns:r="http://schemas.openxmlformats.org/officeDocument/2006/relationships" xmlns:p="http://schemas.openxmlformats.org/presentationml/2006/main" show="0">
   <p:cSld>
     <p:spTree>
       <p:nvGrpSpPr>
@@ -7334,36 +7675,6 @@
           <a:chExt cx="0" cy="0"/>
         </a:xfrm>
       </p:grpSpPr>
-      <p:pic>
-        <p:nvPicPr>
-          <p:cNvPr id="2" name="Picture 1" descr="../images/waveform.png"/>
-          <p:cNvPicPr>
-            <a:picLocks noGrp="1" noChangeAspect="1"/>
-          </p:cNvPicPr>
-          <p:nvPr/>
-        </p:nvPicPr>
-        <p:blipFill>
-          <a:blip r:embed="rId2"/>
-          <a:stretch>
-            <a:fillRect/>
-          </a:stretch>
-        </p:blipFill>
-        <p:spPr bwMode="auto">
-          <a:xfrm>
-            <a:off x="1981200" y="1955800"/>
-            <a:ext cx="8229600" cy="3302000"/>
-          </a:xfrm>
-          <a:prstGeom prst="rect">
-            <a:avLst/>
-          </a:prstGeom>
-          <a:noFill/>
-          <a:ln w="9525">
-            <a:noFill/>
-            <a:headEnd/>
-            <a:tailEnd/>
-          </a:ln>
-        </p:spPr>
-      </p:pic>
       <p:sp>
         <p:nvSpPr>
           <p:cNvPr id="3" name="TextBox 3"/>
@@ -7397,6 +7708,18 @@
   <p:clrMapOvr>
     <a:masterClrMapping/>
   </p:clrMapOvr>
+  <mc:AlternateContent xmlns:mc="http://schemas.openxmlformats.org/markup-compatibility/2006">
+    <mc:Choice xmlns:p14="http://schemas.microsoft.com/office/powerpoint/2010/main" Requires="p14">
+      <p:transition spd="med" p14:dur="700">
+        <p:fade/>
+      </p:transition>
+    </mc:Choice>
+    <mc:Fallback>
+      <p:transition spd="med">
+        <p:fade/>
+      </p:transition>
+    </mc:Fallback>
+  </mc:AlternateContent>
 </p:sld>
 </file>
 
@@ -7444,6 +7767,36 @@
           </a:p>
         </p:txBody>
       </p:sp>
+      <p:pic>
+        <p:nvPicPr>
+          <p:cNvPr id="4" name="Picture 3" descr="../images/embed-2.png"/>
+          <p:cNvPicPr>
+            <a:picLocks noGrp="1" noChangeAspect="1"/>
+          </p:cNvPicPr>
+          <p:nvPr/>
+        </p:nvPicPr>
+        <p:blipFill>
+          <a:blip r:embed="rId2"/>
+          <a:stretch>
+            <a:fillRect/>
+          </a:stretch>
+        </p:blipFill>
+        <p:spPr bwMode="auto">
+          <a:xfrm>
+            <a:off x="674255" y="2292928"/>
+            <a:ext cx="7200900" cy="4013200"/>
+          </a:xfrm>
+          <a:prstGeom prst="rect">
+            <a:avLst/>
+          </a:prstGeom>
+          <a:noFill/>
+          <a:ln w="9525">
+            <a:noFill/>
+            <a:headEnd/>
+            <a:tailEnd/>
+          </a:ln>
+        </p:spPr>
+      </p:pic>
     </p:spTree>
   </p:cSld>
   <p:clrMapOvr>
@@ -7453,7 +7806,7 @@
 </file>
 
 <file path=ppt/slides/slide13.xml><?xml version="1.0" encoding="utf-8"?>
-<p:sld xmlns:a="http://schemas.openxmlformats.org/drawingml/2006/main" xmlns:r="http://schemas.openxmlformats.org/officeDocument/2006/relationships" xmlns:p="http://schemas.openxmlformats.org/presentationml/2006/main">
+<p:sld xmlns:a="http://schemas.openxmlformats.org/drawingml/2006/main" xmlns:r="http://schemas.openxmlformats.org/officeDocument/2006/relationships" xmlns:p="http://schemas.openxmlformats.org/presentationml/2006/main" show="0">
   <p:cSld>
     <p:spTree>
       <p:nvGrpSpPr>
@@ -7469,36 +7822,6 @@
           <a:chExt cx="0" cy="0"/>
         </a:xfrm>
       </p:grpSpPr>
-      <p:pic>
-        <p:nvPicPr>
-          <p:cNvPr id="2" name="Picture 1" descr="../images/embed-2.png"/>
-          <p:cNvPicPr>
-            <a:picLocks noGrp="1" noChangeAspect="1"/>
-          </p:cNvPicPr>
-          <p:nvPr/>
-        </p:nvPicPr>
-        <p:blipFill>
-          <a:blip r:embed="rId2"/>
-          <a:stretch>
-            <a:fillRect/>
-          </a:stretch>
-        </p:blipFill>
-        <p:spPr bwMode="auto">
-          <a:xfrm>
-            <a:off x="2489200" y="1600200"/>
-            <a:ext cx="7200900" cy="4013200"/>
-          </a:xfrm>
-          <a:prstGeom prst="rect">
-            <a:avLst/>
-          </a:prstGeom>
-          <a:noFill/>
-          <a:ln w="9525">
-            <a:noFill/>
-            <a:headEnd/>
-            <a:tailEnd/>
-          </a:ln>
-        </p:spPr>
-      </p:pic>
       <p:sp>
         <p:nvSpPr>
           <p:cNvPr id="3" name="TextBox 3"/>
@@ -7532,6 +7855,18 @@
   <p:clrMapOvr>
     <a:masterClrMapping/>
   </p:clrMapOvr>
+  <mc:AlternateContent xmlns:mc="http://schemas.openxmlformats.org/markup-compatibility/2006">
+    <mc:Choice xmlns:p14="http://schemas.microsoft.com/office/powerpoint/2010/main" Requires="p14">
+      <p:transition spd="med" p14:dur="700">
+        <p:fade/>
+      </p:transition>
+    </mc:Choice>
+    <mc:Fallback>
+      <p:transition spd="med">
+        <p:fade/>
+      </p:transition>
+    </mc:Fallback>
+  </mc:AlternateContent>
 </p:sld>
 </file>
 
@@ -7579,6 +7914,36 @@
           </a:p>
         </p:txBody>
       </p:sp>
+      <p:pic>
+        <p:nvPicPr>
+          <p:cNvPr id="4" name="Picture 3" descr="../images/preview.png"/>
+          <p:cNvPicPr>
+            <a:picLocks noGrp="1" noChangeAspect="1"/>
+          </p:cNvPicPr>
+          <p:nvPr/>
+        </p:nvPicPr>
+        <p:blipFill>
+          <a:blip r:embed="rId2"/>
+          <a:stretch>
+            <a:fillRect/>
+          </a:stretch>
+        </p:blipFill>
+        <p:spPr bwMode="auto">
+          <a:xfrm>
+            <a:off x="864754" y="2292927"/>
+            <a:ext cx="5918200" cy="4013200"/>
+          </a:xfrm>
+          <a:prstGeom prst="rect">
+            <a:avLst/>
+          </a:prstGeom>
+          <a:noFill/>
+          <a:ln w="9525">
+            <a:noFill/>
+            <a:headEnd/>
+            <a:tailEnd/>
+          </a:ln>
+        </p:spPr>
+      </p:pic>
     </p:spTree>
   </p:cSld>
   <p:clrMapOvr>
@@ -7588,7 +7953,7 @@
 </file>
 
 <file path=ppt/slides/slide15.xml><?xml version="1.0" encoding="utf-8"?>
-<p:sld xmlns:a="http://schemas.openxmlformats.org/drawingml/2006/main" xmlns:r="http://schemas.openxmlformats.org/officeDocument/2006/relationships" xmlns:p="http://schemas.openxmlformats.org/presentationml/2006/main">
+<p:sld xmlns:a="http://schemas.openxmlformats.org/drawingml/2006/main" xmlns:r="http://schemas.openxmlformats.org/officeDocument/2006/relationships" xmlns:p="http://schemas.openxmlformats.org/presentationml/2006/main" show="0">
   <p:cSld>
     <p:spTree>
       <p:nvGrpSpPr>
@@ -7604,36 +7969,6 @@
           <a:chExt cx="0" cy="0"/>
         </a:xfrm>
       </p:grpSpPr>
-      <p:pic>
-        <p:nvPicPr>
-          <p:cNvPr id="2" name="Picture 1" descr="../images/preview.png"/>
-          <p:cNvPicPr>
-            <a:picLocks noGrp="1" noChangeAspect="1"/>
-          </p:cNvPicPr>
-          <p:nvPr/>
-        </p:nvPicPr>
-        <p:blipFill>
-          <a:blip r:embed="rId2"/>
-          <a:stretch>
-            <a:fillRect/>
-          </a:stretch>
-        </p:blipFill>
-        <p:spPr bwMode="auto">
-          <a:xfrm>
-            <a:off x="3136900" y="1600200"/>
-            <a:ext cx="5918200" cy="4013200"/>
-          </a:xfrm>
-          <a:prstGeom prst="rect">
-            <a:avLst/>
-          </a:prstGeom>
-          <a:noFill/>
-          <a:ln w="9525">
-            <a:noFill/>
-            <a:headEnd/>
-            <a:tailEnd/>
-          </a:ln>
-        </p:spPr>
-      </p:pic>
       <p:sp>
         <p:nvSpPr>
           <p:cNvPr id="3" name="TextBox 3"/>
@@ -7667,6 +8002,18 @@
   <p:clrMapOvr>
     <a:masterClrMapping/>
   </p:clrMapOvr>
+  <mc:AlternateContent xmlns:mc="http://schemas.openxmlformats.org/markup-compatibility/2006">
+    <mc:Choice xmlns:p14="http://schemas.microsoft.com/office/powerpoint/2010/main" Requires="p14">
+      <p:transition spd="med" p14:dur="700">
+        <p:fade/>
+      </p:transition>
+    </mc:Choice>
+    <mc:Fallback>
+      <p:transition spd="med">
+        <p:fade/>
+      </p:transition>
+    </mc:Fallback>
+  </mc:AlternateContent>
 </p:sld>
 </file>
 
@@ -7724,6 +8071,36 @@
           </a:p>
         </p:txBody>
       </p:sp>
+      <p:pic>
+        <p:nvPicPr>
+          <p:cNvPr id="4" name="Picture 3" descr="../images/code.png"/>
+          <p:cNvPicPr>
+            <a:picLocks noGrp="1" noChangeAspect="1"/>
+          </p:cNvPicPr>
+          <p:nvPr/>
+        </p:nvPicPr>
+        <p:blipFill>
+          <a:blip r:embed="rId2"/>
+          <a:stretch>
+            <a:fillRect/>
+          </a:stretch>
+        </p:blipFill>
+        <p:spPr bwMode="auto">
+          <a:xfrm>
+            <a:off x="651163" y="3865833"/>
+            <a:ext cx="8229600" cy="1485900"/>
+          </a:xfrm>
+          <a:prstGeom prst="rect">
+            <a:avLst/>
+          </a:prstGeom>
+          <a:noFill/>
+          <a:ln w="9525">
+            <a:noFill/>
+            <a:headEnd/>
+            <a:tailEnd/>
+          </a:ln>
+        </p:spPr>
+      </p:pic>
     </p:spTree>
   </p:cSld>
   <p:clrMapOvr>
@@ -7733,7 +8110,7 @@
 </file>
 
 <file path=ppt/slides/slide17.xml><?xml version="1.0" encoding="utf-8"?>
-<p:sld xmlns:a="http://schemas.openxmlformats.org/drawingml/2006/main" xmlns:r="http://schemas.openxmlformats.org/officeDocument/2006/relationships" xmlns:p="http://schemas.openxmlformats.org/presentationml/2006/main">
+<p:sld xmlns:a="http://schemas.openxmlformats.org/drawingml/2006/main" xmlns:r="http://schemas.openxmlformats.org/officeDocument/2006/relationships" xmlns:p="http://schemas.openxmlformats.org/presentationml/2006/main" show="0">
   <p:cSld>
     <p:spTree>
       <p:nvGrpSpPr>
@@ -7749,36 +8126,6 @@
           <a:chExt cx="0" cy="0"/>
         </a:xfrm>
       </p:grpSpPr>
-      <p:pic>
-        <p:nvPicPr>
-          <p:cNvPr id="2" name="Picture 1" descr="../images/code.png"/>
-          <p:cNvPicPr>
-            <a:picLocks noGrp="1" noChangeAspect="1"/>
-          </p:cNvPicPr>
-          <p:nvPr/>
-        </p:nvPicPr>
-        <p:blipFill>
-          <a:blip r:embed="rId2"/>
-          <a:stretch>
-            <a:fillRect/>
-          </a:stretch>
-        </p:blipFill>
-        <p:spPr bwMode="auto">
-          <a:xfrm>
-            <a:off x="1981200" y="2870200"/>
-            <a:ext cx="8229600" cy="1485900"/>
-          </a:xfrm>
-          <a:prstGeom prst="rect">
-            <a:avLst/>
-          </a:prstGeom>
-          <a:noFill/>
-          <a:ln w="9525">
-            <a:noFill/>
-            <a:headEnd/>
-            <a:tailEnd/>
-          </a:ln>
-        </p:spPr>
-      </p:pic>
       <p:sp>
         <p:nvSpPr>
           <p:cNvPr id="3" name="TextBox 3"/>
@@ -7812,6 +8159,18 @@
   <p:clrMapOvr>
     <a:masterClrMapping/>
   </p:clrMapOvr>
+  <mc:AlternateContent xmlns:mc="http://schemas.openxmlformats.org/markup-compatibility/2006">
+    <mc:Choice xmlns:p14="http://schemas.microsoft.com/office/powerpoint/2010/main" Requires="p14">
+      <p:transition spd="med" p14:dur="700">
+        <p:fade/>
+      </p:transition>
+    </mc:Choice>
+    <mc:Fallback>
+      <p:transition spd="med">
+        <p:fade/>
+      </p:transition>
+    </mc:Fallback>
+  </mc:AlternateContent>
 </p:sld>
 </file>
 
@@ -7915,50 +8274,31 @@
         <p:spPr/>
         <p:txBody>
           <a:bodyPr>
-            <a:normAutofit fontScale="92500"/>
+            <a:normAutofit/>
           </a:bodyPr>
           <a:lstStyle/>
           <a:p>
-            <a:pPr lvl="1"/>
-            <a:r>
-              <a:rPr/>
-              <a:t>To wrap up, ask learners or groups to share what their playlists are about, and what it was like to do the task.</a:t>
-            </a:r>
-          </a:p>
-          <a:p>
-            <a:pPr marL="1270000" indent="0">
-              <a:buNone/>
-            </a:pPr>
-            <a:r>
-              <a:rPr sz="2000"/>
-              <a:t>Tip! Before you begin, remind learners of community norms about being welcoming and open to new ideas. Encourage them to talk about their own learning, not about other people.</a:t>
-            </a:r>
-          </a:p>
-          <a:p>
-            <a:pPr lvl="1"/>
-            <a:r>
-              <a:rPr/>
-              <a:t>Use the following questions to encourage broader discussion, or come up with your own.</a:t>
-            </a:r>
-          </a:p>
-          <a:p>
             <a:pPr lvl="2"/>
             <a:r>
-              <a:rPr/>
-              <a:t>Who is your target audience for the playlist? What do you hope they will get out of listening to the playlist?</a:t>
+              <a:rPr dirty="0" smtClean="0"/>
+              <a:t>Who </a:t>
+            </a:r>
+            <a:r>
+              <a:rPr dirty="0"/>
+              <a:t>is your target audience for the playlist? What do you hope they will get out of listening to the playlist?</a:t>
             </a:r>
           </a:p>
           <a:p>
             <a:pPr lvl="2"/>
             <a:r>
-              <a:rPr/>
+              <a:rPr dirty="0"/>
               <a:t>What was it like to search for songs and sounds? Were you surprised about what you found there?</a:t>
             </a:r>
           </a:p>
           <a:p>
             <a:pPr lvl="2"/>
             <a:r>
-              <a:rPr/>
+              <a:rPr dirty="0"/>
               <a:t>Would you ever share your own music or art online for others to embed and comment on like this? Why or why not?</a:t>
             </a:r>
           </a:p>
@@ -8476,14 +8816,14 @@
               <a:buNone/>
             </a:pPr>
             <a:r>
-              <a:rPr b="1"/>
+              <a:rPr b="1" dirty="0"/>
               <a:t>Discussion/Reflection</a:t>
             </a:r>
           </a:p>
           <a:p>
             <a:pPr lvl="1"/>
             <a:r>
-              <a:rPr/>
+              <a:rPr dirty="0"/>
               <a:t>Split learners into groups of 2 or 3. Give learners a minute or two to think about the following questions, and then ask them to share their answers with each other.</a:t>
             </a:r>
           </a:p>
@@ -8492,14 +8832,14 @@
               <a:buNone/>
             </a:pPr>
             <a:r>
-              <a:rPr sz="2000"/>
+              <a:rPr sz="2000" dirty="0"/>
               <a:t>Tip! There are two options here– learners can work on a group playlist, which will help sharpen their collaboration skills, or each learner can create their own playlist and think of the project as part of their own personal online identity.</a:t>
             </a:r>
           </a:p>
           <a:p>
             <a:pPr lvl="1"/>
             <a:r>
-              <a:rPr/>
+              <a:rPr dirty="0"/>
               <a:t>What kind of songs do you want to share? What is this playlist for– what is the purpose?</a:t>
             </a:r>
           </a:p>
@@ -8508,55 +8848,76 @@
               <a:buNone/>
             </a:pPr>
             <a:r>
-              <a:rPr sz="2000"/>
+              <a:rPr sz="2000" dirty="0"/>
               <a:t>Tip! Lots of options here– if learners need help getting started, you may suggest some options:</a:t>
             </a:r>
           </a:p>
           <a:p>
             <a:pPr lvl="1"/>
             <a:r>
-              <a:rPr sz="2000"/>
-              <a:t>A playlist to listen to while studying, working out, etc</a:t>
-            </a:r>
+              <a:rPr sz="2000" dirty="0"/>
+              <a:t>A playlist to listen to while studying, working out, </a:t>
+            </a:r>
+            <a:r>
+              <a:rPr sz="2000" dirty="0" err="1"/>
+              <a:t>etc</a:t>
+            </a:r>
+            <a:endParaRPr sz="2000" dirty="0"/>
           </a:p>
           <a:p>
             <a:pPr lvl="1"/>
             <a:r>
-              <a:rPr sz="2000"/>
+              <a:rPr sz="2000" dirty="0"/>
               <a:t>A special playlist for a friend or family member</a:t>
             </a:r>
           </a:p>
           <a:p>
             <a:pPr lvl="1"/>
             <a:r>
-              <a:rPr sz="2000"/>
-              <a:t>A playlist that is an introduction to your favorite genre of music– ie. hip-hop 101, or intro to alt-country</a:t>
+              <a:rPr sz="2000" dirty="0"/>
+              <a:t>A playlist that is an introduction to your favorite genre of music– </a:t>
+            </a:r>
+            <a:r>
+              <a:rPr sz="2000" dirty="0" err="1"/>
+              <a:t>ie</a:t>
+            </a:r>
+            <a:r>
+              <a:rPr sz="2000" dirty="0"/>
+              <a:t>. hip-hop 101, or intro to alt-country</a:t>
             </a:r>
           </a:p>
           <a:p>
             <a:pPr lvl="1"/>
             <a:r>
-              <a:rPr sz="2000"/>
-              <a:t>A playlist of music from a certain time period or era that is important to you</a:t>
-            </a:r>
-            <a:r>
-              <a:t/>
-            </a:r>
-            <a:br/>
-            <a:endParaRPr/>
+              <a:rPr sz="2000" dirty="0"/>
+              <a:t>A playlist of music from a certain time period or era that is important to </a:t>
+            </a:r>
+            <a:r>
+              <a:rPr sz="2000" dirty="0" smtClean="0"/>
+              <a:t>you</a:t>
+            </a:r>
+            <a:endParaRPr dirty="0"/>
           </a:p>
           <a:p>
             <a:pPr lvl="1"/>
             <a:r>
-              <a:rPr sz="2000"/>
+              <a:rPr sz="2000" dirty="0"/>
               <a:t>A playlist of sound effects for a certain purpose (for haunted house, radio play about outer space,</a:t>
             </a:r>
           </a:p>
           <a:p>
             <a:pPr lvl="1"/>
             <a:r>
-              <a:rPr sz="2000"/>
-              <a:t>WHO is this playlist for? What audience do they want to reach, and what should they know about each song our soundfile? Tip! Explain to learners that as part of this activity, they will write short commentary about each song or sound– just a line or two is fine, to explain what’s important about the song or sound, why they picked it.</a:t>
+              <a:rPr sz="2000" dirty="0"/>
+              <a:t>WHO is this playlist for? What audience do they want to reach, and what should they know about each song our </a:t>
+            </a:r>
+            <a:r>
+              <a:rPr sz="2000" dirty="0" err="1"/>
+              <a:t>soundfile</a:t>
+            </a:r>
+            <a:r>
+              <a:rPr sz="2000" dirty="0"/>
+              <a:t>? Tip! Explain to learners that as part of this activity, they will write short commentary about each song or sound– just a line or two is fine, to explain what’s important about the song or sound, why they picked it.</a:t>
             </a:r>
           </a:p>
         </p:txBody>
@@ -8621,64 +8982,31 @@
         <p:spPr/>
         <p:txBody>
           <a:bodyPr>
-            <a:normAutofit fontScale="70000" lnSpcReduction="20000"/>
+            <a:normAutofit/>
           </a:bodyPr>
           <a:lstStyle/>
           <a:p>
             <a:pPr lvl="1"/>
             <a:r>
-              <a:rPr/>
-              <a:t>To introduce learners to the platform, the facilitator should open a browser window and navigate to Soundcloud to give everyone a sense of how the interface works. This will work best if you have a projector and screen handy, so everyone can see. Spend about 3-5 minutes here.</a:t>
-            </a:r>
-          </a:p>
-          <a:p>
-            <a:pPr lvl="1"/>
-            <a:r>
-              <a:rPr/>
-              <a:t>There are a variety of possible search terms:</a:t>
+              <a:rPr sz="2400" dirty="0" smtClean="0"/>
+              <a:t>There </a:t>
+            </a:r>
+            <a:r>
+              <a:rPr sz="2400" dirty="0"/>
+              <a:t>are a variety of possible search terms:</a:t>
             </a:r>
           </a:p>
           <a:p>
             <a:pPr lvl="2"/>
             <a:r>
-              <a:rPr/>
-              <a:t>Song or artists name, keyword or tag like “rushing water,” genre name like “cool jazz”</a:t>
-            </a:r>
-          </a:p>
-          <a:p>
-            <a:pPr lvl="1"/>
-            <a:r>
-              <a:rPr/>
-              <a:t>Note that many SoundCloud users post long single files which represent lots of songs– take a look at the sound length to be sure you’re getting a single sound, not a mix</a:t>
-            </a:r>
-          </a:p>
-          <a:p>
-            <a:pPr lvl="1"/>
-            <a:r>
-              <a:rPr/>
-              <a:t>Point out that Soundcloud is like every other online community. There’s great content there, but you’ll also find the occasional words and pictures that are offensive to learners. Explain this to learners:</a:t>
-            </a:r>
-          </a:p>
-          <a:p>
-            <a:pPr lvl="1"/>
-            <a:r>
-              <a:rPr/>
-              <a:t>Everyone should feel safe on the Open Web, so we should follow some common sense rules about search in our learning space. Do your best to avoid inappropriate material. If offensive words, pictures, music, etc show up as part of your search results or in the comments, click away from them and concentrate on finding material you can use for this project.</a:t>
-            </a:r>
-          </a:p>
-          <a:p>
-            <a:pPr lvl="1"/>
-            <a:r>
-              <a:rPr/>
-              <a:t>Search! Ask learners to bookmark selected songs or copy and paste the URLs - or Web addresses - into another document so they can get back to them easily. Demonstrate how to bookmark.</a:t>
-            </a:r>
-          </a:p>
-          <a:p>
-            <a:pPr lvl="1"/>
-            <a:r>
-              <a:rPr/>
-              <a:t>Ask learners to write their song descriptions along with the links. Suggest that learners use a simple text editor and provide a demo. * Also remind learners to include attributions, and discuss the importance of citing creators.</a:t>
-            </a:r>
+              <a:rPr sz="2400" dirty="0"/>
+              <a:t>Song or artists name, keyword or tag like “rushing water,” genre name like “cool jazz</a:t>
+            </a:r>
+            <a:r>
+              <a:rPr sz="2400" dirty="0" smtClean="0"/>
+              <a:t>”</a:t>
+            </a:r>
+            <a:endParaRPr sz="2400" dirty="0"/>
           </a:p>
         </p:txBody>
       </p:sp>
@@ -8746,21 +9074,43 @@
           <a:p>
             <a:pPr lvl="1"/>
             <a:r>
-              <a:rPr/>
-              <a:t>For this part of the activity, users need a web page. They can: 1) use the basic pages created in Building Basic Pages (even though these pages are not hosted on a server, as long as the computer is connected to the internet, the embed code will work 2) use Thimble or another Integrated Development Environment. The code will work the same way, and of course these pages created using an IDE are hosted as part of the platform.</a:t>
-            </a:r>
-          </a:p>
-          <a:p>
-            <a:pPr marL="1270000" indent="0">
-              <a:buNone/>
-            </a:pPr>
-            <a:r>
-              <a:rPr sz="2000"/>
-              <a:t>Tip! If using option 1, remind learners again that their pages are only on the client computer, and not yet hosted on the internet. In either case, the following template is suggested as a starting point. Learners can integrate their commentary about each selection into the playlist itself.</a:t>
-            </a:r>
+              <a:rPr lang="en-GB" sz="2000" dirty="0" smtClean="0"/>
+              <a:t>Create a playlist.html in your Glitch website</a:t>
+            </a:r>
+            <a:endParaRPr sz="2000" dirty="0"/>
           </a:p>
         </p:txBody>
       </p:sp>
+      <p:pic>
+        <p:nvPicPr>
+          <p:cNvPr id="4" name="Picture 3" descr="../images/code1.png"/>
+          <p:cNvPicPr>
+            <a:picLocks noGrp="1" noChangeAspect="1"/>
+          </p:cNvPicPr>
+          <p:nvPr/>
+        </p:nvPicPr>
+        <p:blipFill>
+          <a:blip r:embed="rId3"/>
+          <a:stretch>
+            <a:fillRect/>
+          </a:stretch>
+        </p:blipFill>
+        <p:spPr bwMode="auto">
+          <a:xfrm>
+            <a:off x="905163" y="2078633"/>
+            <a:ext cx="5575300" cy="4013200"/>
+          </a:xfrm>
+          <a:prstGeom prst="rect">
+            <a:avLst/>
+          </a:prstGeom>
+          <a:noFill/>
+          <a:ln w="9525">
+            <a:noFill/>
+            <a:headEnd/>
+            <a:tailEnd/>
+          </a:ln>
+        </p:spPr>
+      </p:pic>
     </p:spTree>
   </p:cSld>
   <p:clrMapOvr>
@@ -8770,7 +9120,7 @@
 </file>
 
 <file path=ppt/slides/slide9.xml><?xml version="1.0" encoding="utf-8"?>
-<p:sld xmlns:a="http://schemas.openxmlformats.org/drawingml/2006/main" xmlns:r="http://schemas.openxmlformats.org/officeDocument/2006/relationships" xmlns:p="http://schemas.openxmlformats.org/presentationml/2006/main">
+<p:sld xmlns:a="http://schemas.openxmlformats.org/drawingml/2006/main" xmlns:r="http://schemas.openxmlformats.org/officeDocument/2006/relationships" xmlns:p="http://schemas.openxmlformats.org/presentationml/2006/main" show="0">
   <p:cSld>
     <p:spTree>
       <p:nvGrpSpPr>
@@ -8786,36 +9136,6 @@
           <a:chExt cx="0" cy="0"/>
         </a:xfrm>
       </p:grpSpPr>
-      <p:pic>
-        <p:nvPicPr>
-          <p:cNvPr id="2" name="Picture 1" descr="../images/code1.png"/>
-          <p:cNvPicPr>
-            <a:picLocks noGrp="1" noChangeAspect="1"/>
-          </p:cNvPicPr>
-          <p:nvPr/>
-        </p:nvPicPr>
-        <p:blipFill>
-          <a:blip r:embed="rId2"/>
-          <a:stretch>
-            <a:fillRect/>
-          </a:stretch>
-        </p:blipFill>
-        <p:spPr bwMode="auto">
-          <a:xfrm>
-            <a:off x="3302000" y="1600200"/>
-            <a:ext cx="5575300" cy="4013200"/>
-          </a:xfrm>
-          <a:prstGeom prst="rect">
-            <a:avLst/>
-          </a:prstGeom>
-          <a:noFill/>
-          <a:ln w="9525">
-            <a:noFill/>
-            <a:headEnd/>
-            <a:tailEnd/>
-          </a:ln>
-        </p:spPr>
-      </p:pic>
       <p:sp>
         <p:nvSpPr>
           <p:cNvPr id="3" name="TextBox 3"/>
@@ -8849,6 +9169,18 @@
   <p:clrMapOvr>
     <a:masterClrMapping/>
   </p:clrMapOvr>
+  <mc:AlternateContent xmlns:mc="http://schemas.openxmlformats.org/markup-compatibility/2006">
+    <mc:Choice xmlns:p14="http://schemas.microsoft.com/office/powerpoint/2010/main" Requires="p14">
+      <p:transition spd="med" p14:dur="700">
+        <p:fade/>
+      </p:transition>
+    </mc:Choice>
+    <mc:Fallback>
+      <p:transition spd="med">
+        <p:fade/>
+      </p:transition>
+    </mc:Fallback>
+  </mc:AlternateContent>
 </p:sld>
 </file>
 
